--- a/presentation/Presentation - Kepler Exoplanet Analysis.pptx
+++ b/presentation/Presentation - Kepler Exoplanet Analysis.pptx
@@ -6077,11 +6077,15 @@
           </a:pPr>
           <a:r>
             <a:rPr lang="en-IN" b="0" i="0" baseline="0" dirty="0"/>
-            <a:t>The Random </a:t>
+            <a:t>The </a:t>
+          </a:r>
+          <a:r>
+            <a:rPr lang="en-US" b="0" i="0" baseline="0"/>
+            <a:t>AdaBoost Classifier </a:t>
           </a:r>
           <a:r>
             <a:rPr lang="en-US" b="0" i="0" baseline="0" dirty="0"/>
-            <a:t>Forest Classifier was selected as the optimum machine learning model and returned an F-1 score of 98% on the dataset.</a:t>
+            <a:t>was selected as the optimum machine learning model and returned an F-1 score of 98% on the dataset.</a:t>
           </a:r>
           <a:endParaRPr lang="en-US" dirty="0"/>
         </a:p>
@@ -9731,11 +9735,15 @@
           </a:pPr>
           <a:r>
             <a:rPr lang="en-IN" sz="1600" b="0" i="0" kern="1200" baseline="0" dirty="0"/>
-            <a:t>The Random </a:t>
+            <a:t>The </a:t>
+          </a:r>
+          <a:r>
+            <a:rPr lang="en-US" sz="1600" b="0" i="0" kern="1200" baseline="0"/>
+            <a:t>AdaBoost Classifier </a:t>
           </a:r>
           <a:r>
             <a:rPr lang="en-US" sz="1600" b="0" i="0" kern="1200" baseline="0" dirty="0"/>
-            <a:t>Forest Classifier was selected as the optimum machine learning model and returned an F-1 score of 98% on the dataset.</a:t>
+            <a:t>was selected as the optimum machine learning model and returned an F-1 score of 98% on the dataset.</a:t>
           </a:r>
           <a:endParaRPr lang="en-US" sz="1600" kern="1200" dirty="0"/>
         </a:p>
@@ -26544,7 +26552,7 @@
             <p:ph idx="1"/>
             <p:extLst>
               <p:ext uri="{D42A27DB-BD31-4B8C-83A1-F6EECF244321}">
-                <p14:modId xmlns:p14="http://schemas.microsoft.com/office/powerpoint/2010/main" val="3062249274"/>
+                <p14:modId xmlns:p14="http://schemas.microsoft.com/office/powerpoint/2010/main" val="1465336017"/>
               </p:ext>
             </p:extLst>
           </p:nvPr>
